--- a/Presentazione progetto.pptx
+++ b/Presentazione progetto.pptx
@@ -10642,7 +10642,7 @@
             </a:pPr>
             <a:r>
               <a:rPr lang="it" sz="1500"/>
-              <a:t>Se si clicca la barra grigia in fondo, spunterà un frame in cui si possono scegliere tante opzioni, tra cui: il colore della pagina, l’aggiunta dell’immagine e del link. Per l’inserimento dell’immagiine, l’applicazione avrà bisogno del permesso dell’utente (in quanto i permessi vengono gestiti dalla libreria EasyPermission). Per quanto riguarda il link, bisogna inserire una web url valida (se no spunta un messaggio di errore).</a:t>
+              <a:t>Se si clicca la barra grigia in fondo, spunterà un frame in cui si possono scegliere tante opzioni, tra cui: il colore della pagina, l’aggiunta dell’immagine e del link. Per l’inserimento dell’immagine, l’applicazione avrà bisogno del permesso dell’utente (in quanto i permessi vengono gestiti dalla libreria EasyPermission). Per quanto riguarda il link, bisogna inserire una web url valida (se no spunta un messaggio di errore).</a:t>
             </a:r>
             <a:endParaRPr sz="1500"/>
           </a:p>
